--- a/Multimodal Fusion Techniques.pptx
+++ b/Multimodal Fusion Techniques.pptx
@@ -273,7 +273,7 @@
           <a:p>
             <a:fld id="{7F6C3FEA-60E9-431E-A8B9-D6315D4A3EBD}" type="datetimeFigureOut">
               <a:rPr lang="en-US" smtClean="0"/>
-              <a:t>10/16/2024</a:t>
+              <a:t>10/20/2024</a:t>
             </a:fld>
             <a:endParaRPr lang="en-US"/>
           </a:p>
@@ -471,7 +471,7 @@
           <a:p>
             <a:fld id="{7F6C3FEA-60E9-431E-A8B9-D6315D4A3EBD}" type="datetimeFigureOut">
               <a:rPr lang="en-US" smtClean="0"/>
-              <a:t>10/16/2024</a:t>
+              <a:t>10/20/2024</a:t>
             </a:fld>
             <a:endParaRPr lang="en-US"/>
           </a:p>
@@ -679,7 +679,7 @@
           <a:p>
             <a:fld id="{7F6C3FEA-60E9-431E-A8B9-D6315D4A3EBD}" type="datetimeFigureOut">
               <a:rPr lang="en-US" smtClean="0"/>
-              <a:t>10/16/2024</a:t>
+              <a:t>10/20/2024</a:t>
             </a:fld>
             <a:endParaRPr lang="en-US"/>
           </a:p>
@@ -877,7 +877,7 @@
           <a:p>
             <a:fld id="{7F6C3FEA-60E9-431E-A8B9-D6315D4A3EBD}" type="datetimeFigureOut">
               <a:rPr lang="en-US" smtClean="0"/>
-              <a:t>10/16/2024</a:t>
+              <a:t>10/20/2024</a:t>
             </a:fld>
             <a:endParaRPr lang="en-US"/>
           </a:p>
@@ -1152,7 +1152,7 @@
           <a:p>
             <a:fld id="{7F6C3FEA-60E9-431E-A8B9-D6315D4A3EBD}" type="datetimeFigureOut">
               <a:rPr lang="en-US" smtClean="0"/>
-              <a:t>10/16/2024</a:t>
+              <a:t>10/20/2024</a:t>
             </a:fld>
             <a:endParaRPr lang="en-US"/>
           </a:p>
@@ -1417,7 +1417,7 @@
           <a:p>
             <a:fld id="{7F6C3FEA-60E9-431E-A8B9-D6315D4A3EBD}" type="datetimeFigureOut">
               <a:rPr lang="en-US" smtClean="0"/>
-              <a:t>10/16/2024</a:t>
+              <a:t>10/20/2024</a:t>
             </a:fld>
             <a:endParaRPr lang="en-US"/>
           </a:p>
@@ -1829,7 +1829,7 @@
           <a:p>
             <a:fld id="{7F6C3FEA-60E9-431E-A8B9-D6315D4A3EBD}" type="datetimeFigureOut">
               <a:rPr lang="en-US" smtClean="0"/>
-              <a:t>10/16/2024</a:t>
+              <a:t>10/20/2024</a:t>
             </a:fld>
             <a:endParaRPr lang="en-US"/>
           </a:p>
@@ -1970,7 +1970,7 @@
           <a:p>
             <a:fld id="{7F6C3FEA-60E9-431E-A8B9-D6315D4A3EBD}" type="datetimeFigureOut">
               <a:rPr lang="en-US" smtClean="0"/>
-              <a:t>10/16/2024</a:t>
+              <a:t>10/20/2024</a:t>
             </a:fld>
             <a:endParaRPr lang="en-US"/>
           </a:p>
@@ -2083,7 +2083,7 @@
           <a:p>
             <a:fld id="{7F6C3FEA-60E9-431E-A8B9-D6315D4A3EBD}" type="datetimeFigureOut">
               <a:rPr lang="en-US" smtClean="0"/>
-              <a:t>10/16/2024</a:t>
+              <a:t>10/20/2024</a:t>
             </a:fld>
             <a:endParaRPr lang="en-US"/>
           </a:p>
@@ -2394,7 +2394,7 @@
           <a:p>
             <a:fld id="{7F6C3FEA-60E9-431E-A8B9-D6315D4A3EBD}" type="datetimeFigureOut">
               <a:rPr lang="en-US" smtClean="0"/>
-              <a:t>10/16/2024</a:t>
+              <a:t>10/20/2024</a:t>
             </a:fld>
             <a:endParaRPr lang="en-US"/>
           </a:p>
@@ -2682,7 +2682,7 @@
           <a:p>
             <a:fld id="{7F6C3FEA-60E9-431E-A8B9-D6315D4A3EBD}" type="datetimeFigureOut">
               <a:rPr lang="en-US" smtClean="0"/>
-              <a:t>10/16/2024</a:t>
+              <a:t>10/20/2024</a:t>
             </a:fld>
             <a:endParaRPr lang="en-US"/>
           </a:p>
@@ -2950,7 +2950,7 @@
           <a:p>
             <a:fld id="{7F6C3FEA-60E9-431E-A8B9-D6315D4A3EBD}" type="datetimeFigureOut">
               <a:rPr lang="en-US" smtClean="0"/>
-              <a:t>10/16/2024</a:t>
+              <a:t>10/20/2024</a:t>
             </a:fld>
             <a:endParaRPr lang="en-US"/>
           </a:p>
@@ -4953,8 +4953,8 @@
         </p:nvSpPr>
         <p:spPr>
           <a:xfrm>
-            <a:off x="116583" y="5960596"/>
-            <a:ext cx="4295162" cy="646331"/>
+            <a:off x="97730" y="5683597"/>
+            <a:ext cx="4295162" cy="1200329"/>
           </a:xfrm>
           <a:prstGeom prst="rect">
             <a:avLst/>
@@ -4970,6 +4970,21 @@
             <a:r>
               <a:rPr lang="en-US" i="1" dirty="0"/>
               <a:t>By: Seyed Muhammad Hossein Mousavi</a:t>
+            </a:r>
+          </a:p>
+          <a:p>
+            <a:r>
+              <a:rPr lang="en-US" i="1" dirty="0">
+                <a:hlinkClick r:id="rId10"/>
+              </a:rPr>
+              <a:t>mosavi.a.i.buali@gmail.com</a:t>
+            </a:r>
+            <a:endParaRPr lang="en-US" i="1" dirty="0"/>
+          </a:p>
+          <a:p>
+            <a:r>
+              <a:rPr lang="en-US" i="1" dirty="0"/>
+              <a:t>Lugano, Switzerland</a:t>
             </a:r>
           </a:p>
           <a:p>
